--- a/docs/Agenda Item 9A - The GAPDMs data type slides.pptx
+++ b/docs/Agenda Item 9A - The GAPDMs data type slides.pptx
@@ -214,7 +214,7 @@
           </a:lstStyle>
           <a:p>
             <a:fld id="{1B02D690-1A64-D947-89EB-00DC5508E975}" type="datetimeFigureOut">
-              <a:t>3/10/17</a:t>
+              <a:t>11/1/18</a:t>
             </a:fld>
             <a:endParaRPr lang="en-US"/>
           </a:p>
@@ -608,7 +608,7 @@
           <a:lstStyle/>
           <a:p>
             <a:fld id="{11AFAE9B-7F9C-6640-902E-B8E2AEE70225}" type="datetimeFigureOut">
-              <a:t>3/10/17</a:t>
+              <a:t>11/1/18</a:t>
             </a:fld>
             <a:endParaRPr lang="en-US"/>
           </a:p>
@@ -774,7 +774,7 @@
           <a:lstStyle/>
           <a:p>
             <a:fld id="{11AFAE9B-7F9C-6640-902E-B8E2AEE70225}" type="datetimeFigureOut">
-              <a:t>3/10/17</a:t>
+              <a:t>11/1/18</a:t>
             </a:fld>
             <a:endParaRPr lang="en-US"/>
           </a:p>
@@ -950,7 +950,7 @@
           <a:lstStyle/>
           <a:p>
             <a:fld id="{11AFAE9B-7F9C-6640-902E-B8E2AEE70225}" type="datetimeFigureOut">
-              <a:t>3/10/17</a:t>
+              <a:t>11/1/18</a:t>
             </a:fld>
             <a:endParaRPr lang="en-US"/>
           </a:p>
@@ -1116,7 +1116,7 @@
           <a:lstStyle/>
           <a:p>
             <a:fld id="{11AFAE9B-7F9C-6640-902E-B8E2AEE70225}" type="datetimeFigureOut">
-              <a:t>3/10/17</a:t>
+              <a:t>11/1/18</a:t>
             </a:fld>
             <a:endParaRPr lang="en-US"/>
           </a:p>
@@ -1359,7 +1359,7 @@
           <a:lstStyle/>
           <a:p>
             <a:fld id="{11AFAE9B-7F9C-6640-902E-B8E2AEE70225}" type="datetimeFigureOut">
-              <a:t>3/10/17</a:t>
+              <a:t>11/1/18</a:t>
             </a:fld>
             <a:endParaRPr lang="en-US"/>
           </a:p>
@@ -1586,7 +1586,7 @@
           <a:lstStyle/>
           <a:p>
             <a:fld id="{11AFAE9B-7F9C-6640-902E-B8E2AEE70225}" type="datetimeFigureOut">
-              <a:t>3/10/17</a:t>
+              <a:t>11/1/18</a:t>
             </a:fld>
             <a:endParaRPr lang="en-US"/>
           </a:p>
@@ -1948,7 +1948,7 @@
           <a:lstStyle/>
           <a:p>
             <a:fld id="{11AFAE9B-7F9C-6640-902E-B8E2AEE70225}" type="datetimeFigureOut">
-              <a:t>3/10/17</a:t>
+              <a:t>11/1/18</a:t>
             </a:fld>
             <a:endParaRPr lang="en-US"/>
           </a:p>
@@ -2063,7 +2063,7 @@
           <a:lstStyle/>
           <a:p>
             <a:fld id="{11AFAE9B-7F9C-6640-902E-B8E2AEE70225}" type="datetimeFigureOut">
-              <a:t>3/10/17</a:t>
+              <a:t>11/1/18</a:t>
             </a:fld>
             <a:endParaRPr lang="en-US"/>
           </a:p>
@@ -2156,7 +2156,7 @@
           <a:lstStyle/>
           <a:p>
             <a:fld id="{11AFAE9B-7F9C-6640-902E-B8E2AEE70225}" type="datetimeFigureOut">
-              <a:t>3/10/17</a:t>
+              <a:t>11/1/18</a:t>
             </a:fld>
             <a:endParaRPr lang="en-US"/>
           </a:p>
@@ -2429,7 +2429,7 @@
           <a:lstStyle/>
           <a:p>
             <a:fld id="{11AFAE9B-7F9C-6640-902E-B8E2AEE70225}" type="datetimeFigureOut">
-              <a:t>3/10/17</a:t>
+              <a:t>11/1/18</a:t>
             </a:fld>
             <a:endParaRPr lang="en-US"/>
           </a:p>
@@ -2679,7 +2679,7 @@
           <a:lstStyle/>
           <a:p>
             <a:fld id="{11AFAE9B-7F9C-6640-902E-B8E2AEE70225}" type="datetimeFigureOut">
-              <a:t>3/10/17</a:t>
+              <a:t>11/1/18</a:t>
             </a:fld>
             <a:endParaRPr lang="en-US"/>
           </a:p>
@@ -2888,7 +2888,7 @@
           </a:lstStyle>
           <a:p>
             <a:fld id="{11AFAE9B-7F9C-6640-902E-B8E2AEE70225}" type="datetimeFigureOut">
-              <a:t>3/10/17</a:t>
+              <a:t>11/1/18</a:t>
             </a:fld>
             <a:endParaRPr lang="en-US"/>
           </a:p>
@@ -15423,7 +15423,7 @@
         </p:nvSpPr>
         <p:spPr>
           <a:xfrm>
-            <a:off x="2872169" y="1550228"/>
+            <a:off x="4520763" y="1420696"/>
             <a:ext cx="1234692" cy="523924"/>
           </a:xfrm>
           <a:prstGeom prst="ellipse">
@@ -15485,7 +15485,7 @@
         </p:nvSpPr>
         <p:spPr>
           <a:xfrm>
-            <a:off x="7368740" y="1512234"/>
+            <a:off x="6131708" y="1449250"/>
             <a:ext cx="1080873" cy="482100"/>
           </a:xfrm>
           <a:prstGeom prst="rect">
@@ -15547,7 +15547,7 @@
         </p:nvSpPr>
         <p:spPr>
           <a:xfrm>
-            <a:off x="2872169" y="2494381"/>
+            <a:off x="4147669" y="2492023"/>
             <a:ext cx="1234692" cy="523924"/>
           </a:xfrm>
           <a:prstGeom prst="ellipse">
@@ -15609,7 +15609,7 @@
         </p:nvSpPr>
         <p:spPr>
           <a:xfrm>
-            <a:off x="3872383" y="3168246"/>
+            <a:off x="5147883" y="3165888"/>
             <a:ext cx="1234692" cy="523924"/>
           </a:xfrm>
           <a:prstGeom prst="ellipse">
@@ -15671,7 +15671,7 @@
         </p:nvSpPr>
         <p:spPr>
           <a:xfrm>
-            <a:off x="5906568" y="1512234"/>
+            <a:off x="7401605" y="1421769"/>
             <a:ext cx="1234692" cy="523924"/>
           </a:xfrm>
           <a:prstGeom prst="ellipse">
@@ -15733,7 +15733,7 @@
         </p:nvSpPr>
         <p:spPr>
           <a:xfrm>
-            <a:off x="1388553" y="2494381"/>
+            <a:off x="2664053" y="2492023"/>
             <a:ext cx="1234692" cy="523924"/>
           </a:xfrm>
           <a:prstGeom prst="ellipse">
@@ -15795,7 +15795,7 @@
         </p:nvSpPr>
         <p:spPr>
           <a:xfrm>
-            <a:off x="4521305" y="393272"/>
+            <a:off x="6166913" y="357656"/>
             <a:ext cx="1234692" cy="523924"/>
           </a:xfrm>
           <a:prstGeom prst="ellipse">
@@ -15857,7 +15857,7 @@
         </p:nvSpPr>
         <p:spPr>
           <a:xfrm>
-            <a:off x="4598214" y="1512234"/>
+            <a:off x="3059847" y="1463594"/>
             <a:ext cx="1080874" cy="482100"/>
           </a:xfrm>
           <a:custGeom>
@@ -16026,7 +16026,7 @@
           <a:p>
             <a:r>
               <a:rPr lang="en-US"/>
-              <a:t>GA’s Public Data Model v1.2 classes</a:t>
+              <a:t>GA’s Public Data Model v1.3 classes</a:t>
             </a:r>
           </a:p>
         </p:txBody>
@@ -16042,11 +16042,13 @@
         </p:nvCxnSpPr>
         <p:spPr>
           <a:xfrm rot="16200000" flipV="1">
-            <a:off x="3658023" y="2849797"/>
+            <a:off x="4933523" y="2847439"/>
             <a:ext cx="226668" cy="563684"/>
           </a:xfrm>
           <a:prstGeom prst="curvedConnector3">
-            <a:avLst/>
+            <a:avLst>
+              <a:gd name="adj1" fmla="val 50000"/>
+            </a:avLst>
           </a:prstGeom>
           <a:ln>
             <a:solidFill>
@@ -16081,11 +16083,13 @@
         </p:nvCxnSpPr>
         <p:spPr>
           <a:xfrm rot="5400000" flipH="1" flipV="1">
-            <a:off x="3279401" y="2284267"/>
-            <a:ext cx="420229" cy="12700"/>
+            <a:off x="4677861" y="2031775"/>
+            <a:ext cx="547403" cy="373094"/>
           </a:xfrm>
           <a:prstGeom prst="curvedConnector3">
-            <a:avLst/>
+            <a:avLst>
+              <a:gd name="adj1" fmla="val 50000"/>
+            </a:avLst>
           </a:prstGeom>
           <a:ln>
             <a:solidFill>
@@ -16120,8 +16124,8 @@
         </p:nvCxnSpPr>
         <p:spPr>
           <a:xfrm rot="5400000" flipH="1" flipV="1">
-            <a:off x="2460866" y="1978989"/>
-            <a:ext cx="573683" cy="610556"/>
+            <a:off x="3859326" y="1726497"/>
+            <a:ext cx="700857" cy="983650"/>
           </a:xfrm>
           <a:prstGeom prst="curvedConnector3">
             <a:avLst/>
@@ -16247,8 +16251,8 @@
         </p:nvCxnSpPr>
         <p:spPr>
           <a:xfrm flipH="1">
-            <a:off x="3926045" y="917196"/>
-            <a:ext cx="1212606" cy="709759"/>
+            <a:off x="5574639" y="881580"/>
+            <a:ext cx="1209620" cy="615843"/>
           </a:xfrm>
           <a:prstGeom prst="straightConnector1">
             <a:avLst/>
@@ -16285,9 +16289,9 @@
           <p:nvPr/>
         </p:nvCxnSpPr>
         <p:spPr>
-          <a:xfrm>
-            <a:off x="5138651" y="917196"/>
-            <a:ext cx="0" cy="595038"/>
+          <a:xfrm flipH="1">
+            <a:off x="3600284" y="881580"/>
+            <a:ext cx="3183975" cy="582014"/>
           </a:xfrm>
           <a:prstGeom prst="straightConnector1">
             <a:avLst/>
@@ -16318,14 +16322,15 @@
         <p:nvCxnSpPr>
           <p:cNvPr id="38" name="Straight Arrow Connector 37"/>
           <p:cNvCxnSpPr>
-            <a:endCxn id="30" idx="1"/>
+            <a:stCxn id="32" idx="4"/>
+            <a:endCxn id="30" idx="0"/>
           </p:cNvCxnSpPr>
           <p:nvPr/>
         </p:nvCxnSpPr>
         <p:spPr>
           <a:xfrm>
-            <a:off x="5138651" y="917196"/>
-            <a:ext cx="948733" cy="671765"/>
+            <a:off x="6784259" y="881580"/>
+            <a:ext cx="1234692" cy="540189"/>
           </a:xfrm>
           <a:prstGeom prst="straightConnector1">
             <a:avLst/>
@@ -16356,14 +16361,15 @@
         <p:nvCxnSpPr>
           <p:cNvPr id="46" name="Straight Arrow Connector 45"/>
           <p:cNvCxnSpPr>
+            <a:stCxn id="32" idx="4"/>
             <a:endCxn id="25" idx="0"/>
           </p:cNvCxnSpPr>
           <p:nvPr/>
         </p:nvCxnSpPr>
         <p:spPr>
-          <a:xfrm>
-            <a:off x="5138650" y="917196"/>
-            <a:ext cx="2770527" cy="595038"/>
+          <a:xfrm flipH="1">
+            <a:off x="6672145" y="881580"/>
+            <a:ext cx="112114" cy="567670"/>
           </a:xfrm>
           <a:prstGeom prst="straightConnector1">
             <a:avLst/>
@@ -16392,67 +16398,13 @@
       </p:cxnSp>
       <p:sp>
         <p:nvSpPr>
-          <p:cNvPr id="49" name="Text Box 34"/>
-          <p:cNvSpPr txBox="1"/>
-          <p:nvPr/>
-        </p:nvSpPr>
-        <p:spPr>
-          <a:xfrm>
-            <a:off x="4336785" y="1065037"/>
-            <a:ext cx="2162338" cy="174083"/>
-          </a:xfrm>
-          <a:prstGeom prst="rect">
-            <a:avLst/>
-          </a:prstGeom>
-          <a:solidFill>
-            <a:schemeClr val="bg1"/>
-          </a:solidFill>
-          <a:ln w="6350">
-            <a:noFill/>
-          </a:ln>
-        </p:spPr>
-        <p:txBody>
-          <a:bodyPr rot="0" spcFirstLastPara="0" vert="horz" wrap="none" lIns="91440" tIns="45720" rIns="91440" bIns="45720" numCol="1" spcCol="0" rtlCol="0" fromWordArt="0" anchor="t" anchorCtr="0" forceAA="0" compatLnSpc="1">
-            <a:prstTxWarp prst="textNoShape">
-              <a:avLst/>
-            </a:prstTxWarp>
-            <a:noAutofit/>
-          </a:bodyPr>
-          <a:lstStyle/>
-          <a:p>
-            <a:pPr algn="ctr">
-              <a:lnSpc>
-                <a:spcPct val="105000"/>
-              </a:lnSpc>
-              <a:spcAft>
-                <a:spcPts val="800"/>
-              </a:spcAft>
-            </a:pPr>
-            <a:r>
-              <a:rPr lang="en-AU" sz="800" err="1" smtClean="0">
-                <a:effectLst/>
-                <a:latin typeface="Calibri" charset="0"/>
-                <a:ea typeface="Calibri" charset="0"/>
-              </a:rPr>
-              <a:t>containedItemClass</a:t>
-            </a:r>
-            <a:endParaRPr lang="en-GB" sz="1200">
-              <a:effectLst/>
-              <a:latin typeface="Times New Roman" charset="0"/>
-              <a:ea typeface="Times New Roman" charset="0"/>
-            </a:endParaRPr>
-          </a:p>
-        </p:txBody>
-      </p:sp>
-      <p:sp>
-        <p:nvSpPr>
           <p:cNvPr id="53" name="Oval 52"/>
           <p:cNvSpPr/>
           <p:nvPr/>
         </p:nvSpPr>
         <p:spPr>
           <a:xfrm>
-            <a:off x="4355785" y="2500732"/>
+            <a:off x="5631285" y="2498374"/>
             <a:ext cx="1234692" cy="523924"/>
           </a:xfrm>
           <a:prstGeom prst="ellipse">
@@ -16517,11 +16469,13 @@
         </p:nvCxnSpPr>
         <p:spPr>
           <a:xfrm rot="16200000" flipV="1">
-            <a:off x="3941306" y="1982164"/>
-            <a:ext cx="580034" cy="610556"/>
+            <a:off x="5339766" y="2102766"/>
+            <a:ext cx="707208" cy="237462"/>
           </a:xfrm>
           <a:prstGeom prst="curvedConnector3">
-            <a:avLst/>
+            <a:avLst>
+              <a:gd name="adj1" fmla="val 50000"/>
+            </a:avLst>
           </a:prstGeom>
           <a:ln>
             <a:solidFill>
@@ -16553,7 +16507,7 @@
         </p:nvSpPr>
         <p:spPr>
           <a:xfrm>
-            <a:off x="5906567" y="2500732"/>
+            <a:off x="7401605" y="2498374"/>
             <a:ext cx="1234692" cy="523924"/>
           </a:xfrm>
           <a:prstGeom prst="ellipse">
@@ -16618,8 +16572,8 @@
         </p:nvCxnSpPr>
         <p:spPr>
           <a:xfrm flipV="1">
-            <a:off x="6523913" y="2036158"/>
-            <a:ext cx="1" cy="464574"/>
+            <a:off x="8018951" y="1945693"/>
+            <a:ext cx="0" cy="552681"/>
           </a:xfrm>
           <a:prstGeom prst="straightConnector1">
             <a:avLst/>
@@ -16646,6 +16600,437 @@
           </a:fontRef>
         </p:style>
       </p:cxnSp>
+      <p:sp>
+        <p:nvSpPr>
+          <p:cNvPr id="37" name="Oval 36"/>
+          <p:cNvSpPr/>
+          <p:nvPr/>
+        </p:nvSpPr>
+        <p:spPr>
+          <a:xfrm>
+            <a:off x="8962229" y="1424626"/>
+            <a:ext cx="1234692" cy="523924"/>
+          </a:xfrm>
+          <a:prstGeom prst="ellipse">
+            <a:avLst/>
+          </a:prstGeom>
+          <a:solidFill>
+            <a:srgbClr val="FFFFD6"/>
+          </a:solidFill>
+          <a:ln>
+            <a:solidFill>
+              <a:schemeClr val="bg1">
+                <a:lumMod val="50000"/>
+              </a:schemeClr>
+            </a:solidFill>
+          </a:ln>
+        </p:spPr>
+        <p:style>
+          <a:lnRef idx="2">
+            <a:schemeClr val="accent1">
+              <a:shade val="50000"/>
+            </a:schemeClr>
+          </a:lnRef>
+          <a:fillRef idx="1">
+            <a:schemeClr val="accent1"/>
+          </a:fillRef>
+          <a:effectRef idx="0">
+            <a:schemeClr val="accent1"/>
+          </a:effectRef>
+          <a:fontRef idx="minor">
+            <a:schemeClr val="lt1"/>
+          </a:fontRef>
+        </p:style>
+        <p:txBody>
+          <a:bodyPr rtlCol="0" anchor="ctr"/>
+          <a:lstStyle/>
+          <a:p>
+            <a:pPr algn="ctr"/>
+            <a:r>
+              <a:rPr lang="en-US" sz="1000" err="1" smtClean="0">
+                <a:solidFill>
+                  <a:schemeClr val="tx1"/>
+                </a:solidFill>
+              </a:rPr>
+              <a:t>Site</a:t>
+            </a:r>
+            <a:endParaRPr lang="en-US" sz="1000">
+              <a:solidFill>
+                <a:schemeClr val="tx1"/>
+              </a:solidFill>
+            </a:endParaRPr>
+          </a:p>
+        </p:txBody>
+      </p:sp>
+      <p:cxnSp>
+        <p:nvCxnSpPr>
+          <p:cNvPr id="39" name="Straight Arrow Connector 38"/>
+          <p:cNvCxnSpPr>
+            <a:stCxn id="32" idx="4"/>
+            <a:endCxn id="37" idx="0"/>
+          </p:cNvCxnSpPr>
+          <p:nvPr/>
+        </p:nvCxnSpPr>
+        <p:spPr>
+          <a:xfrm>
+            <a:off x="6784259" y="881580"/>
+            <a:ext cx="2795316" cy="543046"/>
+          </a:xfrm>
+          <a:prstGeom prst="straightConnector1">
+            <a:avLst/>
+          </a:prstGeom>
+          <a:ln>
+            <a:solidFill>
+              <a:schemeClr val="tx1"/>
+            </a:solidFill>
+            <a:tailEnd type="arrow"/>
+          </a:ln>
+        </p:spPr>
+        <p:style>
+          <a:lnRef idx="1">
+            <a:schemeClr val="accent1"/>
+          </a:lnRef>
+          <a:fillRef idx="0">
+            <a:schemeClr val="accent1"/>
+          </a:fillRef>
+          <a:effectRef idx="0">
+            <a:schemeClr val="accent1"/>
+          </a:effectRef>
+          <a:fontRef idx="minor">
+            <a:schemeClr val="tx1"/>
+          </a:fontRef>
+        </p:style>
+      </p:cxnSp>
+      <p:sp>
+        <p:nvSpPr>
+          <p:cNvPr id="49" name="Text Box 34"/>
+          <p:cNvSpPr txBox="1"/>
+          <p:nvPr/>
+        </p:nvSpPr>
+        <p:spPr>
+          <a:xfrm>
+            <a:off x="5727880" y="978228"/>
+            <a:ext cx="2162338" cy="174083"/>
+          </a:xfrm>
+          <a:prstGeom prst="rect">
+            <a:avLst/>
+          </a:prstGeom>
+          <a:solidFill>
+            <a:schemeClr val="bg1"/>
+          </a:solidFill>
+          <a:ln w="6350">
+            <a:noFill/>
+          </a:ln>
+        </p:spPr>
+        <p:txBody>
+          <a:bodyPr rot="0" spcFirstLastPara="0" vert="horz" wrap="none" lIns="91440" tIns="45720" rIns="91440" bIns="45720" numCol="1" spcCol="0" rtlCol="0" fromWordArt="0" anchor="t" anchorCtr="0" forceAA="0" compatLnSpc="1">
+            <a:prstTxWarp prst="textNoShape">
+              <a:avLst/>
+            </a:prstTxWarp>
+            <a:noAutofit/>
+          </a:bodyPr>
+          <a:lstStyle/>
+          <a:p>
+            <a:pPr algn="ctr">
+              <a:lnSpc>
+                <a:spcPct val="105000"/>
+              </a:lnSpc>
+              <a:spcAft>
+                <a:spcPts val="800"/>
+              </a:spcAft>
+            </a:pPr>
+            <a:r>
+              <a:rPr lang="en-AU" sz="800" err="1" smtClean="0">
+                <a:effectLst/>
+                <a:latin typeface="Calibri" charset="0"/>
+                <a:ea typeface="Calibri" charset="0"/>
+              </a:rPr>
+              <a:t>reg:containedItemClass</a:t>
+            </a:r>
+            <a:endParaRPr lang="en-GB" sz="1200">
+              <a:effectLst/>
+              <a:latin typeface="Times New Roman" charset="0"/>
+              <a:ea typeface="Times New Roman" charset="0"/>
+            </a:endParaRPr>
+          </a:p>
+        </p:txBody>
+      </p:sp>
+      <p:sp>
+        <p:nvSpPr>
+          <p:cNvPr id="76" name="Text Box 34"/>
+          <p:cNvSpPr txBox="1"/>
+          <p:nvPr/>
+        </p:nvSpPr>
+        <p:spPr>
+          <a:xfrm>
+            <a:off x="4034897" y="1430844"/>
+            <a:ext cx="466500" cy="133157"/>
+          </a:xfrm>
+          <a:prstGeom prst="rect">
+            <a:avLst/>
+          </a:prstGeom>
+          <a:solidFill>
+            <a:schemeClr val="bg1"/>
+          </a:solidFill>
+          <a:ln w="6350">
+            <a:noFill/>
+          </a:ln>
+        </p:spPr>
+        <p:txBody>
+          <a:bodyPr rot="0" spcFirstLastPara="0" vert="horz" wrap="none" lIns="91440" tIns="45720" rIns="91440" bIns="45720" numCol="1" spcCol="0" rtlCol="0" fromWordArt="0" anchor="t" anchorCtr="0" forceAA="0" compatLnSpc="1">
+            <a:prstTxWarp prst="textNoShape">
+              <a:avLst/>
+            </a:prstTxWarp>
+            <a:noAutofit/>
+          </a:bodyPr>
+          <a:lstStyle/>
+          <a:p>
+            <a:pPr algn="ctr">
+              <a:lnSpc>
+                <a:spcPct val="105000"/>
+              </a:lnSpc>
+              <a:spcAft>
+                <a:spcPts val="800"/>
+              </a:spcAft>
+            </a:pPr>
+            <a:r>
+              <a:rPr lang="en-AU" sz="800" err="1">
+                <a:latin typeface="Calibri" charset="0"/>
+                <a:ea typeface="Calibri" charset="0"/>
+              </a:rPr>
+              <a:t>operatesOn</a:t>
+            </a:r>
+            <a:endParaRPr lang="en-GB" sz="1200">
+              <a:effectLst/>
+              <a:latin typeface="Times New Roman" charset="0"/>
+              <a:ea typeface="Times New Roman" charset="0"/>
+            </a:endParaRPr>
+          </a:p>
+        </p:txBody>
+      </p:sp>
+      <p:cxnSp>
+        <p:nvCxnSpPr>
+          <p:cNvPr id="83" name="Straight Arrow Connector 82"/>
+          <p:cNvCxnSpPr>
+            <a:stCxn id="30" idx="6"/>
+            <a:endCxn id="37" idx="2"/>
+          </p:cNvCxnSpPr>
+          <p:nvPr/>
+        </p:nvCxnSpPr>
+        <p:spPr>
+          <a:xfrm>
+            <a:off x="8636297" y="1683731"/>
+            <a:ext cx="325932" cy="2857"/>
+          </a:xfrm>
+          <a:prstGeom prst="straightConnector1">
+            <a:avLst/>
+          </a:prstGeom>
+          <a:ln>
+            <a:solidFill>
+              <a:schemeClr val="tx1"/>
+            </a:solidFill>
+            <a:tailEnd type="arrow"/>
+          </a:ln>
+        </p:spPr>
+        <p:style>
+          <a:lnRef idx="1">
+            <a:schemeClr val="accent1"/>
+          </a:lnRef>
+          <a:fillRef idx="0">
+            <a:schemeClr val="accent1"/>
+          </a:fillRef>
+          <a:effectRef idx="0">
+            <a:schemeClr val="accent1"/>
+          </a:effectRef>
+          <a:fontRef idx="minor">
+            <a:schemeClr val="tx1"/>
+          </a:fontRef>
+        </p:style>
+      </p:cxnSp>
+      <p:sp>
+        <p:nvSpPr>
+          <p:cNvPr id="57" name="Text Box 34"/>
+          <p:cNvSpPr txBox="1"/>
+          <p:nvPr/>
+        </p:nvSpPr>
+        <p:spPr>
+          <a:xfrm rot="5400000">
+            <a:off x="8041184" y="1942913"/>
+            <a:ext cx="1471799" cy="146063"/>
+          </a:xfrm>
+          <a:prstGeom prst="rect">
+            <a:avLst/>
+          </a:prstGeom>
+          <a:solidFill>
+            <a:schemeClr val="bg1"/>
+          </a:solidFill>
+          <a:ln w="6350">
+            <a:noFill/>
+          </a:ln>
+        </p:spPr>
+        <p:txBody>
+          <a:bodyPr rot="0" spcFirstLastPara="0" vert="horz" wrap="none" lIns="91440" tIns="45720" rIns="91440" bIns="45720" numCol="1" spcCol="0" rtlCol="0" fromWordArt="0" anchor="t" anchorCtr="0" forceAA="0" compatLnSpc="1">
+            <a:prstTxWarp prst="textNoShape">
+              <a:avLst/>
+            </a:prstTxWarp>
+            <a:noAutofit/>
+          </a:bodyPr>
+          <a:lstStyle/>
+          <a:p>
+            <a:pPr algn="ctr">
+              <a:lnSpc>
+                <a:spcPct val="105000"/>
+              </a:lnSpc>
+              <a:spcAft>
+                <a:spcPts val="800"/>
+              </a:spcAft>
+            </a:pPr>
+            <a:r>
+              <a:rPr lang="en-AU" sz="800" err="1">
+                <a:latin typeface="Calibri" charset="0"/>
+                <a:ea typeface="Calibri" charset="0"/>
+              </a:rPr>
+              <a:t>samfl:relatedSamplingFeature</a:t>
+            </a:r>
+            <a:endParaRPr lang="en-GB" sz="1200">
+              <a:effectLst/>
+              <a:latin typeface="Times New Roman" charset="0"/>
+              <a:ea typeface="Times New Roman" charset="0"/>
+            </a:endParaRPr>
+          </a:p>
+        </p:txBody>
+      </p:sp>
+      <p:cxnSp>
+        <p:nvCxnSpPr>
+          <p:cNvPr id="98" name="Straight Arrow Connector 97"/>
+          <p:cNvCxnSpPr>
+            <a:stCxn id="47" idx="2"/>
+            <a:endCxn id="24" idx="2"/>
+          </p:cNvCxnSpPr>
+          <p:nvPr/>
+        </p:nvCxnSpPr>
+        <p:spPr>
+          <a:xfrm flipV="1">
+            <a:off x="4140721" y="1682658"/>
+            <a:ext cx="380042" cy="23916"/>
+          </a:xfrm>
+          <a:prstGeom prst="straightConnector1">
+            <a:avLst/>
+          </a:prstGeom>
+          <a:ln>
+            <a:solidFill>
+              <a:schemeClr val="tx1"/>
+            </a:solidFill>
+            <a:tailEnd type="arrow"/>
+          </a:ln>
+        </p:spPr>
+        <p:style>
+          <a:lnRef idx="1">
+            <a:schemeClr val="accent1"/>
+          </a:lnRef>
+          <a:fillRef idx="0">
+            <a:schemeClr val="accent1"/>
+          </a:fillRef>
+          <a:effectRef idx="0">
+            <a:schemeClr val="accent1"/>
+          </a:effectRef>
+          <a:fontRef idx="minor">
+            <a:schemeClr val="tx1"/>
+          </a:fontRef>
+        </p:style>
+      </p:cxnSp>
+      <p:cxnSp>
+        <p:nvCxnSpPr>
+          <p:cNvPr id="101" name="Straight Arrow Connector 100"/>
+          <p:cNvCxnSpPr>
+            <a:stCxn id="25" idx="1"/>
+            <a:endCxn id="24" idx="6"/>
+          </p:cNvCxnSpPr>
+          <p:nvPr/>
+        </p:nvCxnSpPr>
+        <p:spPr>
+          <a:xfrm flipH="1" flipV="1">
+            <a:off x="5755455" y="1682658"/>
+            <a:ext cx="376253" cy="7642"/>
+          </a:xfrm>
+          <a:prstGeom prst="straightConnector1">
+            <a:avLst/>
+          </a:prstGeom>
+          <a:ln>
+            <a:solidFill>
+              <a:schemeClr val="tx1"/>
+            </a:solidFill>
+            <a:tailEnd type="arrow"/>
+          </a:ln>
+        </p:spPr>
+        <p:style>
+          <a:lnRef idx="1">
+            <a:schemeClr val="accent1"/>
+          </a:lnRef>
+          <a:fillRef idx="0">
+            <a:schemeClr val="accent1"/>
+          </a:fillRef>
+          <a:effectRef idx="0">
+            <a:schemeClr val="accent1"/>
+          </a:effectRef>
+          <a:fontRef idx="minor">
+            <a:schemeClr val="tx1"/>
+          </a:fontRef>
+        </p:style>
+      </p:cxnSp>
+      <p:sp>
+        <p:nvSpPr>
+          <p:cNvPr id="104" name="Text Box 34"/>
+          <p:cNvSpPr txBox="1"/>
+          <p:nvPr/>
+        </p:nvSpPr>
+        <p:spPr>
+          <a:xfrm rot="16200000">
+            <a:off x="5508620" y="1754222"/>
+            <a:ext cx="904647" cy="159242"/>
+          </a:xfrm>
+          <a:prstGeom prst="rect">
+            <a:avLst/>
+          </a:prstGeom>
+          <a:solidFill>
+            <a:schemeClr val="bg1"/>
+          </a:solidFill>
+          <a:ln w="6350">
+            <a:noFill/>
+          </a:ln>
+        </p:spPr>
+        <p:txBody>
+          <a:bodyPr rot="0" spcFirstLastPara="0" vert="horz" wrap="none" lIns="91440" tIns="45720" rIns="91440" bIns="45720" numCol="1" spcCol="0" rtlCol="0" fromWordArt="0" anchor="t" anchorCtr="0" forceAA="0" compatLnSpc="1">
+            <a:prstTxWarp prst="textNoShape">
+              <a:avLst/>
+            </a:prstTxWarp>
+            <a:noAutofit/>
+          </a:bodyPr>
+          <a:lstStyle/>
+          <a:p>
+            <a:pPr algn="ctr">
+              <a:lnSpc>
+                <a:spcPct val="105000"/>
+              </a:lnSpc>
+              <a:spcAft>
+                <a:spcPts val="800"/>
+              </a:spcAft>
+            </a:pPr>
+            <a:r>
+              <a:rPr lang="en-AU" sz="800" err="1">
+                <a:latin typeface="Calibri" charset="0"/>
+                <a:ea typeface="Calibri" charset="0"/>
+              </a:rPr>
+              <a:t>prov:wasGeneratedBy</a:t>
+            </a:r>
+            <a:endParaRPr lang="en-GB" sz="1200">
+              <a:effectLst/>
+              <a:latin typeface="Times New Roman" charset="0"/>
+              <a:ea typeface="Times New Roman" charset="0"/>
+            </a:endParaRPr>
+          </a:p>
+        </p:txBody>
+      </p:sp>
     </p:spTree>
     <p:extLst>
       <p:ext uri="{BB962C8B-B14F-4D97-AF65-F5344CB8AC3E}">
